--- a/28_Session.pptx
+++ b/28_Session.pptx
@@ -4933,7 +4933,7 @@
         <p:spPr>
           <a:xfrm>
             <a:off x="467544" y="1268760"/>
-            <a:ext cx="8352928" cy="751922"/>
+            <a:ext cx="8352928" cy="728846"/>
           </a:xfrm>
           <a:ln>
             <a:solidFill>
@@ -4960,7 +4960,7 @@
                   <a:schemeClr val="tx1"/>
                 </a:solidFill>
               </a:rPr>
-              <a:t>Verify: </a:t>
+              <a:t>Verify:</a:t>
             </a:r>
           </a:p>
           <a:p>
@@ -4977,8 +4977,53 @@
                   <a:schemeClr val="tx1"/>
                 </a:solidFill>
               </a:rPr>
-              <a:t>You can see information displayed in URL in super global $_GET. </a:t>
-            </a:r>
+              <a:t>Initially, session variable is empty. After </a:t>
+            </a:r>
+            <a:r>
+              <a:rPr lang="en-US" sz="1800" b="1" dirty="0" err="1">
+                <a:solidFill>
+                  <a:schemeClr val="tx1"/>
+                </a:solidFill>
+              </a:rPr>
+              <a:t>contact.php</a:t>
+            </a:r>
+            <a:r>
+              <a:rPr lang="en-US" sz="1800" b="1" dirty="0">
+                <a:solidFill>
+                  <a:schemeClr val="tx1"/>
+                </a:solidFill>
+              </a:rPr>
+              <a:t> assign the variable, </a:t>
+            </a:r>
+            <a:r>
+              <a:rPr lang="en-US" sz="1800" b="1" dirty="0" err="1">
+                <a:solidFill>
+                  <a:schemeClr val="tx1"/>
+                </a:solidFill>
+              </a:rPr>
+              <a:t>index.php</a:t>
+            </a:r>
+            <a:r>
+              <a:rPr lang="en-US" sz="1800" b="1" dirty="0">
+                <a:solidFill>
+                  <a:schemeClr val="tx1"/>
+                </a:solidFill>
+              </a:rPr>
+              <a:t> display the  </a:t>
+            </a:r>
+            <a:r>
+              <a:rPr lang="en-US" sz="1800" b="1">
+                <a:solidFill>
+                  <a:schemeClr val="tx1"/>
+                </a:solidFill>
+              </a:rPr>
+              <a:t>non-empty variable. </a:t>
+            </a:r>
+            <a:endParaRPr lang="en-US" sz="1800" b="1" dirty="0">
+              <a:solidFill>
+                <a:schemeClr val="tx1"/>
+              </a:solidFill>
+            </a:endParaRPr>
           </a:p>
         </p:txBody>
       </p:sp>
@@ -5234,6 +5279,214 @@
           </a:ln>
         </p:spPr>
       </p:pic>
+      <p:sp>
+        <p:nvSpPr>
+          <p:cNvPr id="7" name="Rectangle 6">
+            <a:extLst>
+              <a:ext uri="{FF2B5EF4-FFF2-40B4-BE49-F238E27FC236}">
+                <a16:creationId xmlns:a16="http://schemas.microsoft.com/office/drawing/2014/main" id="{5404CBE2-1556-4B5F-82E7-050EDAA96ED4}"/>
+              </a:ext>
+            </a:extLst>
+          </p:cNvPr>
+          <p:cNvSpPr/>
+          <p:nvPr/>
+        </p:nvSpPr>
+        <p:spPr>
+          <a:xfrm>
+            <a:off x="299864" y="5620860"/>
+            <a:ext cx="1463824" cy="240953"/>
+          </a:xfrm>
+          <a:prstGeom prst="rect">
+            <a:avLst/>
+          </a:prstGeom>
+          <a:noFill/>
+          <a:ln>
+            <a:solidFill>
+              <a:srgbClr val="C00000"/>
+            </a:solidFill>
+          </a:ln>
+        </p:spPr>
+        <p:style>
+          <a:lnRef idx="2">
+            <a:schemeClr val="accent1">
+              <a:shade val="50000"/>
+            </a:schemeClr>
+          </a:lnRef>
+          <a:fillRef idx="1">
+            <a:schemeClr val="accent1"/>
+          </a:fillRef>
+          <a:effectRef idx="0">
+            <a:schemeClr val="accent1"/>
+          </a:effectRef>
+          <a:fontRef idx="minor">
+            <a:schemeClr val="lt1"/>
+          </a:fontRef>
+        </p:style>
+        <p:txBody>
+          <a:bodyPr rtlCol="0" anchor="ctr"/>
+          <a:lstStyle/>
+          <a:p>
+            <a:pPr algn="ctr"/>
+            <a:endParaRPr lang="en-US"/>
+          </a:p>
+        </p:txBody>
+      </p:sp>
+      <p:sp>
+        <p:nvSpPr>
+          <p:cNvPr id="9" name="Rectangle 8">
+            <a:extLst>
+              <a:ext uri="{FF2B5EF4-FFF2-40B4-BE49-F238E27FC236}">
+                <a16:creationId xmlns:a16="http://schemas.microsoft.com/office/drawing/2014/main" id="{E6126E64-7931-4E0E-B098-B50FA108E9A1}"/>
+              </a:ext>
+            </a:extLst>
+          </p:cNvPr>
+          <p:cNvSpPr/>
+          <p:nvPr/>
+        </p:nvSpPr>
+        <p:spPr>
+          <a:xfrm>
+            <a:off x="5990257" y="5741336"/>
+            <a:ext cx="1463824" cy="240953"/>
+          </a:xfrm>
+          <a:prstGeom prst="rect">
+            <a:avLst/>
+          </a:prstGeom>
+          <a:noFill/>
+          <a:ln>
+            <a:solidFill>
+              <a:srgbClr val="C00000"/>
+            </a:solidFill>
+          </a:ln>
+        </p:spPr>
+        <p:style>
+          <a:lnRef idx="2">
+            <a:schemeClr val="accent1">
+              <a:shade val="50000"/>
+            </a:schemeClr>
+          </a:lnRef>
+          <a:fillRef idx="1">
+            <a:schemeClr val="accent1"/>
+          </a:fillRef>
+          <a:effectRef idx="0">
+            <a:schemeClr val="accent1"/>
+          </a:effectRef>
+          <a:fontRef idx="minor">
+            <a:schemeClr val="lt1"/>
+          </a:fontRef>
+        </p:style>
+        <p:txBody>
+          <a:bodyPr rtlCol="0" anchor="ctr"/>
+          <a:lstStyle/>
+          <a:p>
+            <a:pPr algn="ctr"/>
+            <a:endParaRPr lang="en-US"/>
+          </a:p>
+        </p:txBody>
+      </p:sp>
+      <p:sp>
+        <p:nvSpPr>
+          <p:cNvPr id="15" name="Rectangle 14">
+            <a:extLst>
+              <a:ext uri="{FF2B5EF4-FFF2-40B4-BE49-F238E27FC236}">
+                <a16:creationId xmlns:a16="http://schemas.microsoft.com/office/drawing/2014/main" id="{2FBA6CC9-E302-4ECF-AB10-F74732B02F64}"/>
+              </a:ext>
+            </a:extLst>
+          </p:cNvPr>
+          <p:cNvSpPr/>
+          <p:nvPr/>
+        </p:nvSpPr>
+        <p:spPr>
+          <a:xfrm>
+            <a:off x="5990257" y="4784740"/>
+            <a:ext cx="958007" cy="240953"/>
+          </a:xfrm>
+          <a:prstGeom prst="rect">
+            <a:avLst/>
+          </a:prstGeom>
+          <a:noFill/>
+          <a:ln>
+            <a:solidFill>
+              <a:srgbClr val="C00000"/>
+            </a:solidFill>
+          </a:ln>
+        </p:spPr>
+        <p:style>
+          <a:lnRef idx="2">
+            <a:schemeClr val="accent1">
+              <a:shade val="50000"/>
+            </a:schemeClr>
+          </a:lnRef>
+          <a:fillRef idx="1">
+            <a:schemeClr val="accent1"/>
+          </a:fillRef>
+          <a:effectRef idx="0">
+            <a:schemeClr val="accent1"/>
+          </a:effectRef>
+          <a:fontRef idx="minor">
+            <a:schemeClr val="lt1"/>
+          </a:fontRef>
+        </p:style>
+        <p:txBody>
+          <a:bodyPr rtlCol="0" anchor="ctr"/>
+          <a:lstStyle/>
+          <a:p>
+            <a:pPr algn="ctr"/>
+            <a:endParaRPr lang="en-US"/>
+          </a:p>
+        </p:txBody>
+      </p:sp>
+      <p:sp>
+        <p:nvSpPr>
+          <p:cNvPr id="17" name="Rectangle 16">
+            <a:extLst>
+              <a:ext uri="{FF2B5EF4-FFF2-40B4-BE49-F238E27FC236}">
+                <a16:creationId xmlns:a16="http://schemas.microsoft.com/office/drawing/2014/main" id="{9B30E91C-2D77-455C-86FE-07C188D63F93}"/>
+              </a:ext>
+            </a:extLst>
+          </p:cNvPr>
+          <p:cNvSpPr/>
+          <p:nvPr/>
+        </p:nvSpPr>
+        <p:spPr>
+          <a:xfrm>
+            <a:off x="299864" y="4620756"/>
+            <a:ext cx="958007" cy="240953"/>
+          </a:xfrm>
+          <a:prstGeom prst="rect">
+            <a:avLst/>
+          </a:prstGeom>
+          <a:noFill/>
+          <a:ln>
+            <a:solidFill>
+              <a:srgbClr val="C00000"/>
+            </a:solidFill>
+          </a:ln>
+        </p:spPr>
+        <p:style>
+          <a:lnRef idx="2">
+            <a:schemeClr val="accent1">
+              <a:shade val="50000"/>
+            </a:schemeClr>
+          </a:lnRef>
+          <a:fillRef idx="1">
+            <a:schemeClr val="accent1"/>
+          </a:fillRef>
+          <a:effectRef idx="0">
+            <a:schemeClr val="accent1"/>
+          </a:effectRef>
+          <a:fontRef idx="minor">
+            <a:schemeClr val="lt1"/>
+          </a:fontRef>
+        </p:style>
+        <p:txBody>
+          <a:bodyPr rtlCol="0" anchor="ctr"/>
+          <a:lstStyle/>
+          <a:p>
+            <a:pPr algn="ctr"/>
+            <a:endParaRPr lang="en-US"/>
+          </a:p>
+        </p:txBody>
+      </p:sp>
     </p:spTree>
     <p:extLst>
       <p:ext uri="{BB962C8B-B14F-4D97-AF65-F5344CB8AC3E}">
